--- a/PNNL_Flyer_SoftwareCarpentry_2019-03-14.pptx
+++ b/PNNL_Flyer_SoftwareCarpentry_2019-03-14.pptx
@@ -211,7 +211,7 @@
           <a:p>
             <a:fld id="{566F51A3-093D-1C4D-A97E-F1FDED36B0BF}" type="datetimeFigureOut">
               <a:rPr lang="en-US" smtClean="0"/>
-              <a:t>1/28/19</a:t>
+              <a:t>2/1/19</a:t>
             </a:fld>
             <a:endParaRPr lang="en-US"/>
           </a:p>
@@ -376,7 +376,7 @@
           <a:p>
             <a:fld id="{17DF660C-547B-6447-B742-6F8949B29A2A}" type="datetimeFigureOut">
               <a:rPr lang="en-US" smtClean="0"/>
-              <a:t>1/28/19</a:t>
+              <a:t>2/1/19</a:t>
             </a:fld>
             <a:endParaRPr lang="en-US"/>
           </a:p>
@@ -1446,7 +1446,7 @@
                 <a:latin typeface="Arial"/>
                 <a:cs typeface="Arial"/>
               </a:rPr>
-              <a:t>9am-4:30pm February 18-19, 2019</a:t>
+              <a:t>9am-4:30pm March 14-15, 2019</a:t>
             </a:r>
           </a:p>
           <a:p>
@@ -1458,7 +1458,7 @@
                 <a:latin typeface="Arial"/>
                 <a:cs typeface="Arial"/>
               </a:rPr>
-              <a:t>Vista Room, 3400 Discovery Hall, Horn Rapids Road</a:t>
+              <a:t>Frontier Room, 3400 Discovery Hall, Horn Rapids Road</a:t>
             </a:r>
           </a:p>
           <a:p>
@@ -2036,14 +2036,14 @@
           <a:effectLst/>
           <a:extLst>
             <a:ext uri="{909E8E84-426E-40dd-AFC4-6F175D3DCCD1}">
-              <a14:hiddenFill xmlns:a14="http://schemas.microsoft.com/office/drawing/2010/main" xmlns="">
+              <a14:hiddenFill xmlns="" xmlns:a14="http://schemas.microsoft.com/office/drawing/2010/main">
                 <a:solidFill>
                   <a:schemeClr val="accent1"/>
                 </a:solidFill>
               </a14:hiddenFill>
             </a:ext>
             <a:ext uri="{91240B29-F687-4f45-9708-019B960494DF}">
-              <a14:hiddenLine xmlns:a14="http://schemas.microsoft.com/office/drawing/2010/main" xmlns="" w="9525">
+              <a14:hiddenLine xmlns="" xmlns:a14="http://schemas.microsoft.com/office/drawing/2010/main" w="9525">
                 <a:solidFill>
                   <a:schemeClr val="tx1"/>
                 </a:solidFill>
@@ -2053,7 +2053,7 @@
               </a14:hiddenLine>
             </a:ext>
             <a:ext uri="{AF507438-7753-43e0-B8FC-AC1667EBCBE1}">
-              <a14:hiddenEffects xmlns:a14="http://schemas.microsoft.com/office/drawing/2010/main" xmlns="">
+              <a14:hiddenEffects xmlns="" xmlns:a14="http://schemas.microsoft.com/office/drawing/2010/main">
                 <a:effectLst>
                   <a:outerShdw dist="35921" dir="2700000" algn="ctr" rotWithShape="0">
                     <a:schemeClr val="bg2"/>
@@ -2108,7 +2108,7 @@
           <a:noFill/>
           <a:extLst>
             <a:ext uri="{909E8E84-426E-40dd-AFC4-6F175D3DCCD1}">
-              <a14:hiddenFill xmlns:a14="http://schemas.microsoft.com/office/drawing/2010/main" xmlns="">
+              <a14:hiddenFill xmlns="" xmlns:a14="http://schemas.microsoft.com/office/drawing/2010/main">
                 <a:solidFill>
                   <a:srgbClr val="FFFFFF"/>
                 </a:solidFill>
@@ -2157,7 +2157,7 @@
         <p:spPr>
           <a:xfrm>
             <a:off x="914400" y="6781800"/>
-            <a:ext cx="19431000" cy="7725192"/>
+            <a:ext cx="19431000" cy="8202245"/>
           </a:xfrm>
           <a:prstGeom prst="rect">
             <a:avLst/>
@@ -2180,7 +2180,7 @@
             </a:r>
             <a:r>
               <a:rPr lang="en-US" dirty="0"/>
-              <a:t>/2019-02-18-PNNL-SWC/</a:t>
+              <a:t>/2019-03.14-15-PNNL-SWC/</a:t>
             </a:r>
           </a:p>
           <a:p>
@@ -2313,7 +2313,7 @@
           <a:p>
             <a:r>
               <a:rPr lang="en-US" b="1" dirty="0"/>
-              <a:t>Q: How much does this course cost?</a:t>
+              <a:t>Q: Do I need to provide a work package for this course?</a:t>
             </a:r>
             <a:br>
               <a:rPr lang="en-US" b="1" dirty="0"/>
@@ -2328,7 +2328,7 @@
             </a:r>
             <a:r>
               <a:rPr lang="en-US" i="1" dirty="0"/>
-              <a:t>To cover expenses for instructor's time and resources, we are charging $451.55 for the two-day workshop, which can be purchased with a work package number. Please work with your manager if funding is of concern</a:t>
+              <a:t>Yes. To  cover expenses for instructor's time and resources, we are charging $451.55 for the two-day workshop, which can be purchased with a work package number. Please work with your manager if funding is of concern</a:t>
             </a:r>
             <a:r>
               <a:rPr lang="en-US" dirty="0"/>
@@ -2358,7 +2358,19 @@
               <a:rPr lang="en-US" u="sng" dirty="0">
                 <a:hlinkClick r:id="rId10"/>
               </a:rPr>
-              <a:t>https://pnnl-compbio.github.io/2019-02-18-PNNL-SWC/</a:t>
+              <a:t>https://pnnl-compbio.github.io</a:t>
+            </a:r>
+            <a:r>
+              <a:rPr lang="en-US" u="sng">
+                <a:hlinkClick r:id="rId10"/>
+              </a:rPr>
+              <a:t>/2019-03.14-15-PNNL-SWC</a:t>
+            </a:r>
+            <a:r>
+              <a:rPr lang="en-US" u="sng" dirty="0">
+                <a:hlinkClick r:id="rId10"/>
+              </a:rPr>
+              <a:t>/</a:t>
             </a:r>
             <a:endParaRPr lang="en-US" dirty="0"/>
           </a:p>
@@ -2430,7 +2442,7 @@
             </a:r>
             <a:r>
               <a:rPr lang="en-US" dirty="0"/>
-              <a:t>/2019-02-18-PNNL-SWC/</a:t>
+              <a:t>/2019-03.14-15-PNNL-SWC/</a:t>
             </a:r>
           </a:p>
           <a:p>
@@ -3390,12 +3402,6 @@
 </file>
 
 <file path=customXml/item2.xml><?xml version="1.0" encoding="utf-8"?>
-<p:properties xmlns:p="http://schemas.microsoft.com/office/2006/metadata/properties" xmlns:xsi="http://www.w3.org/2001/XMLSchema-instance" xmlns:pc="http://schemas.microsoft.com/office/infopath/2007/PartnerControls">
-  <documentManagement/>
-</p:properties>
-</file>
-
-<file path=customXml/item3.xml><?xml version="1.0" encoding="utf-8"?>
 <ct:contentTypeSchema xmlns:ct="http://schemas.microsoft.com/office/2006/metadata/contentType" xmlns:ma="http://schemas.microsoft.com/office/2006/metadata/properties/metaAttributes" ct:_="" ma:_="" ma:contentTypeName="Unknown Document Type" ma:contentTypeID="0x010104" ma:contentTypeVersion="0" ma:contentTypeDescription="" ma:contentTypeScope="" ma:versionID="05d83ceaa0bbd2e3bc716e6e66bd857a">
   <xsd:schema xmlns:xsd="http://www.w3.org/2001/XMLSchema" xmlns:xs="http://www.w3.org/2001/XMLSchema" xmlns:p="http://schemas.microsoft.com/office/2006/metadata/properties" targetNamespace="http://schemas.microsoft.com/office/2006/metadata/properties" ma:root="true" ma:fieldsID="b3d69fe45253d5ff147bb69036b756a7">
     <xsd:element name="properties">
@@ -3509,6 +3515,12 @@
 </ct:contentTypeSchema>
 </file>
 
+<file path=customXml/item3.xml><?xml version="1.0" encoding="utf-8"?>
+<p:properties xmlns:p="http://schemas.microsoft.com/office/2006/metadata/properties" xmlns:xsi="http://www.w3.org/2001/XMLSchema-instance" xmlns:pc="http://schemas.microsoft.com/office/infopath/2007/PartnerControls">
+  <documentManagement/>
+</p:properties>
+</file>
+
 <file path=customXml/itemProps1.xml><?xml version="1.0" encoding="utf-8"?>
 <ds:datastoreItem xmlns:ds="http://schemas.openxmlformats.org/officeDocument/2006/customXml" ds:itemID="{AD21BFAB-5382-4EC6-856E-8B283008FA1A}">
   <ds:schemaRefs>
@@ -3518,21 +3530,6 @@
 </file>
 
 <file path=customXml/itemProps2.xml><?xml version="1.0" encoding="utf-8"?>
-<ds:datastoreItem xmlns:ds="http://schemas.openxmlformats.org/officeDocument/2006/customXml" ds:itemID="{BA58D6CA-033F-44C4-BF51-37C8BB8E3FE4}">
-  <ds:schemaRefs>
-    <ds:schemaRef ds:uri="http://purl.org/dc/dcmitype/"/>
-    <ds:schemaRef ds:uri="http://www.w3.org/XML/1998/namespace"/>
-    <ds:schemaRef ds:uri="http://purl.org/dc/elements/1.1/"/>
-    <ds:schemaRef ds:uri="http://schemas.microsoft.com/office/2006/metadata/properties"/>
-    <ds:schemaRef ds:uri="http://purl.org/dc/terms/"/>
-    <ds:schemaRef ds:uri="http://schemas.openxmlformats.org/package/2006/metadata/core-properties"/>
-    <ds:schemaRef ds:uri="http://schemas.microsoft.com/office/2006/documentManagement/types"/>
-    <ds:schemaRef ds:uri="http://schemas.microsoft.com/office/infopath/2007/PartnerControls"/>
-  </ds:schemaRefs>
-</ds:datastoreItem>
-</file>
-
-<file path=customXml/itemProps3.xml><?xml version="1.0" encoding="utf-8"?>
 <ds:datastoreItem xmlns:ds="http://schemas.openxmlformats.org/officeDocument/2006/customXml" ds:itemID="{B41D5DFC-7D4A-4CBD-B3BC-69EB5001A37E}">
   <ds:schemaRefs>
     <ds:schemaRef ds:uri="http://schemas.microsoft.com/office/2006/metadata/contentType"/>
@@ -3546,4 +3543,19 @@
     <ds:schemaRef ds:uri="http://schemas.microsoft.com/office/infopath/2007/PartnerControls"/>
   </ds:schemaRefs>
 </ds:datastoreItem>
+</file>
+
+<file path=customXml/itemProps3.xml><?xml version="1.0" encoding="utf-8"?>
+<ds:datastoreItem xmlns:ds="http://schemas.openxmlformats.org/officeDocument/2006/customXml" ds:itemID="{BA58D6CA-033F-44C4-BF51-37C8BB8E3FE4}">
+  <ds:schemaRefs>
+    <ds:schemaRef ds:uri="http://purl.org/dc/dcmitype/"/>
+    <ds:schemaRef ds:uri="http://www.w3.org/XML/1998/namespace"/>
+    <ds:schemaRef ds:uri="http://purl.org/dc/elements/1.1/"/>
+    <ds:schemaRef ds:uri="http://schemas.microsoft.com/office/2006/metadata/properties"/>
+    <ds:schemaRef ds:uri="http://purl.org/dc/terms/"/>
+    <ds:schemaRef ds:uri="http://schemas.openxmlformats.org/package/2006/metadata/core-properties"/>
+    <ds:schemaRef ds:uri="http://schemas.microsoft.com/office/2006/documentManagement/types"/>
+    <ds:schemaRef ds:uri="http://schemas.microsoft.com/office/infopath/2007/PartnerControls"/>
+  </ds:schemaRefs>
+</ds:datastoreItem>
 </file>